--- a/src/test/sample/complex_result_expected.pptx
+++ b/src/test/sample/complex_result_expected.pptx
@@ -246,7 +246,7 @@
           <a:p>
             <a:fld id="{E561863E-F42E-421B-92D9-01C724A06B9F}" type="datetimeFigureOut">
               <a:rPr lang="en-US" smtClean="0"/>
-              <a:t>12/22/2022</a:t>
+              <a:t>12/27/2022</a:t>
             </a:fld>
             <a:endParaRPr lang="en-US"/>
           </a:p>
@@ -416,7 +416,7 @@
           <a:p>
             <a:fld id="{E561863E-F42E-421B-92D9-01C724A06B9F}" type="datetimeFigureOut">
               <a:rPr lang="en-US" smtClean="0"/>
-              <a:t>12/22/2022</a:t>
+              <a:t>12/27/2022</a:t>
             </a:fld>
             <a:endParaRPr lang="en-US"/>
           </a:p>
@@ -596,7 +596,7 @@
           <a:p>
             <a:fld id="{E561863E-F42E-421B-92D9-01C724A06B9F}" type="datetimeFigureOut">
               <a:rPr lang="en-US" smtClean="0"/>
-              <a:t>12/22/2022</a:t>
+              <a:t>12/27/2022</a:t>
             </a:fld>
             <a:endParaRPr lang="en-US"/>
           </a:p>
@@ -766,7 +766,7 @@
           <a:p>
             <a:fld id="{E561863E-F42E-421B-92D9-01C724A06B9F}" type="datetimeFigureOut">
               <a:rPr lang="en-US" smtClean="0"/>
-              <a:t>12/22/2022</a:t>
+              <a:t>12/27/2022</a:t>
             </a:fld>
             <a:endParaRPr lang="en-US"/>
           </a:p>
@@ -1012,7 +1012,7 @@
           <a:p>
             <a:fld id="{E561863E-F42E-421B-92D9-01C724A06B9F}" type="datetimeFigureOut">
               <a:rPr lang="en-US" smtClean="0"/>
-              <a:t>12/22/2022</a:t>
+              <a:t>12/27/2022</a:t>
             </a:fld>
             <a:endParaRPr lang="en-US"/>
           </a:p>
@@ -1244,7 +1244,7 @@
           <a:p>
             <a:fld id="{E561863E-F42E-421B-92D9-01C724A06B9F}" type="datetimeFigureOut">
               <a:rPr lang="en-US" smtClean="0"/>
-              <a:t>12/22/2022</a:t>
+              <a:t>12/27/2022</a:t>
             </a:fld>
             <a:endParaRPr lang="en-US"/>
           </a:p>
@@ -1611,7 +1611,7 @@
           <a:p>
             <a:fld id="{E561863E-F42E-421B-92D9-01C724A06B9F}" type="datetimeFigureOut">
               <a:rPr lang="en-US" smtClean="0"/>
-              <a:t>12/22/2022</a:t>
+              <a:t>12/27/2022</a:t>
             </a:fld>
             <a:endParaRPr lang="en-US"/>
           </a:p>
@@ -1729,7 +1729,7 @@
           <a:p>
             <a:fld id="{E561863E-F42E-421B-92D9-01C724A06B9F}" type="datetimeFigureOut">
               <a:rPr lang="en-US" smtClean="0"/>
-              <a:t>12/22/2022</a:t>
+              <a:t>12/27/2022</a:t>
             </a:fld>
             <a:endParaRPr lang="en-US"/>
           </a:p>
@@ -1824,7 +1824,7 @@
           <a:p>
             <a:fld id="{E561863E-F42E-421B-92D9-01C724A06B9F}" type="datetimeFigureOut">
               <a:rPr lang="en-US" smtClean="0"/>
-              <a:t>12/22/2022</a:t>
+              <a:t>12/27/2022</a:t>
             </a:fld>
             <a:endParaRPr lang="en-US"/>
           </a:p>
@@ -2101,7 +2101,7 @@
           <a:p>
             <a:fld id="{E561863E-F42E-421B-92D9-01C724A06B9F}" type="datetimeFigureOut">
               <a:rPr lang="en-US" smtClean="0"/>
-              <a:t>12/22/2022</a:t>
+              <a:t>12/27/2022</a:t>
             </a:fld>
             <a:endParaRPr lang="en-US"/>
           </a:p>
@@ -2354,7 +2354,7 @@
           <a:p>
             <a:fld id="{E561863E-F42E-421B-92D9-01C724A06B9F}" type="datetimeFigureOut">
               <a:rPr lang="en-US" smtClean="0"/>
-              <a:t>12/22/2022</a:t>
+              <a:t>12/27/2022</a:t>
             </a:fld>
             <a:endParaRPr lang="en-US"/>
           </a:p>
@@ -2567,7 +2567,7 @@
           <a:p>
             <a:fld id="{E561863E-F42E-421B-92D9-01C724A06B9F}" type="datetimeFigureOut">
               <a:rPr lang="en-US" smtClean="0"/>
-              <a:t>12/22/2022</a:t>
+              <a:t>12/27/2022</a:t>
             </a:fld>
             <a:endParaRPr lang="en-US"/>
           </a:p>
@@ -2988,8 +2988,8 @@
           <a:lstStyle/>
           <a:p>
             <a:r>
-              <a:rPr lang="en-US" b="1" dirty="0" err="1" smtClean="0"/>
-              <a:t>MyProject</a:t>
+              <a:rPr lang="en-US" b="1" smtClean="0"/>
+              <a:t>MyResearch</a:t>
             </a:r>
             <a:r>
               <a:rPr lang="en-US" b="1" dirty="0"/>
